--- a/myweb/myweb_layout.pptx
+++ b/myweb/myweb_layout.pptx
@@ -3472,8 +3472,8 @@
         </p:nvSpPr>
         <p:spPr>
           <a:xfrm>
-            <a:off x="2990847" y="2372937"/>
-            <a:ext cx="1752604" cy="276999"/>
+            <a:off x="5212935" y="1868100"/>
+            <a:ext cx="1512142" cy="246221"/>
           </a:xfrm>
           <a:prstGeom prst="rect">
             <a:avLst/>
@@ -3487,10 +3487,14 @@
           <a:lstStyle/>
           <a:p>
             <a:r>
-              <a:rPr lang="ko-KR" altLang="en-US" sz="1200" dirty="0" smtClean="0"/>
-              <a:t>모집요강 확인</a:t>
-            </a:r>
-            <a:endParaRPr lang="ko-KR" altLang="en-US" sz="1200" dirty="0"/>
+              <a:rPr lang="ko-KR" altLang="en-US" sz="1000" dirty="0" smtClean="0"/>
+              <a:t>모집요강 </a:t>
+            </a:r>
+            <a:r>
+              <a:rPr lang="ko-KR" altLang="en-US" sz="1000" dirty="0" smtClean="0"/>
+              <a:t>확인버튼</a:t>
+            </a:r>
+            <a:endParaRPr lang="ko-KR" altLang="en-US" sz="1000" dirty="0"/>
           </a:p>
         </p:txBody>
       </p:sp>
@@ -3502,7 +3506,7 @@
         </p:nvSpPr>
         <p:spPr>
           <a:xfrm>
-            <a:off x="2990847" y="2372937"/>
+            <a:off x="5283474" y="1800768"/>
             <a:ext cx="1174753" cy="369332"/>
           </a:xfrm>
           <a:prstGeom prst="rect">

--- a/myweb/myweb_layout.pptx
+++ b/myweb/myweb_layout.pptx
@@ -243,7 +243,7 @@
           <a:p>
             <a:fld id="{1AB4BE4E-0DCC-436C-879B-4F0D6DF2E104}" type="datetimeFigureOut">
               <a:rPr lang="ko-KR" altLang="en-US" smtClean="0"/>
-              <a:t>2023-07-29</a:t>
+              <a:t>2023-07-31</a:t>
             </a:fld>
             <a:endParaRPr lang="ko-KR" altLang="en-US"/>
           </a:p>
@@ -413,7 +413,7 @@
           <a:p>
             <a:fld id="{1AB4BE4E-0DCC-436C-879B-4F0D6DF2E104}" type="datetimeFigureOut">
               <a:rPr lang="ko-KR" altLang="en-US" smtClean="0"/>
-              <a:t>2023-07-29</a:t>
+              <a:t>2023-07-31</a:t>
             </a:fld>
             <a:endParaRPr lang="ko-KR" altLang="en-US"/>
           </a:p>
@@ -593,7 +593,7 @@
           <a:p>
             <a:fld id="{1AB4BE4E-0DCC-436C-879B-4F0D6DF2E104}" type="datetimeFigureOut">
               <a:rPr lang="ko-KR" altLang="en-US" smtClean="0"/>
-              <a:t>2023-07-29</a:t>
+              <a:t>2023-07-31</a:t>
             </a:fld>
             <a:endParaRPr lang="ko-KR" altLang="en-US"/>
           </a:p>
@@ -763,7 +763,7 @@
           <a:p>
             <a:fld id="{1AB4BE4E-0DCC-436C-879B-4F0D6DF2E104}" type="datetimeFigureOut">
               <a:rPr lang="ko-KR" altLang="en-US" smtClean="0"/>
-              <a:t>2023-07-29</a:t>
+              <a:t>2023-07-31</a:t>
             </a:fld>
             <a:endParaRPr lang="ko-KR" altLang="en-US"/>
           </a:p>
@@ -1009,7 +1009,7 @@
           <a:p>
             <a:fld id="{1AB4BE4E-0DCC-436C-879B-4F0D6DF2E104}" type="datetimeFigureOut">
               <a:rPr lang="ko-KR" altLang="en-US" smtClean="0"/>
-              <a:t>2023-07-29</a:t>
+              <a:t>2023-07-31</a:t>
             </a:fld>
             <a:endParaRPr lang="ko-KR" altLang="en-US"/>
           </a:p>
@@ -1241,7 +1241,7 @@
           <a:p>
             <a:fld id="{1AB4BE4E-0DCC-436C-879B-4F0D6DF2E104}" type="datetimeFigureOut">
               <a:rPr lang="ko-KR" altLang="en-US" smtClean="0"/>
-              <a:t>2023-07-29</a:t>
+              <a:t>2023-07-31</a:t>
             </a:fld>
             <a:endParaRPr lang="ko-KR" altLang="en-US"/>
           </a:p>
@@ -1608,7 +1608,7 @@
           <a:p>
             <a:fld id="{1AB4BE4E-0DCC-436C-879B-4F0D6DF2E104}" type="datetimeFigureOut">
               <a:rPr lang="ko-KR" altLang="en-US" smtClean="0"/>
-              <a:t>2023-07-29</a:t>
+              <a:t>2023-07-31</a:t>
             </a:fld>
             <a:endParaRPr lang="ko-KR" altLang="en-US"/>
           </a:p>
@@ -1726,7 +1726,7 @@
           <a:p>
             <a:fld id="{1AB4BE4E-0DCC-436C-879B-4F0D6DF2E104}" type="datetimeFigureOut">
               <a:rPr lang="ko-KR" altLang="en-US" smtClean="0"/>
-              <a:t>2023-07-29</a:t>
+              <a:t>2023-07-31</a:t>
             </a:fld>
             <a:endParaRPr lang="ko-KR" altLang="en-US"/>
           </a:p>
@@ -1821,7 +1821,7 @@
           <a:p>
             <a:fld id="{1AB4BE4E-0DCC-436C-879B-4F0D6DF2E104}" type="datetimeFigureOut">
               <a:rPr lang="ko-KR" altLang="en-US" smtClean="0"/>
-              <a:t>2023-07-29</a:t>
+              <a:t>2023-07-31</a:t>
             </a:fld>
             <a:endParaRPr lang="ko-KR" altLang="en-US"/>
           </a:p>
@@ -2098,7 +2098,7 @@
           <a:p>
             <a:fld id="{1AB4BE4E-0DCC-436C-879B-4F0D6DF2E104}" type="datetimeFigureOut">
               <a:rPr lang="ko-KR" altLang="en-US" smtClean="0"/>
-              <a:t>2023-07-29</a:t>
+              <a:t>2023-07-31</a:t>
             </a:fld>
             <a:endParaRPr lang="ko-KR" altLang="en-US"/>
           </a:p>
@@ -2351,7 +2351,7 @@
           <a:p>
             <a:fld id="{1AB4BE4E-0DCC-436C-879B-4F0D6DF2E104}" type="datetimeFigureOut">
               <a:rPr lang="ko-KR" altLang="en-US" smtClean="0"/>
-              <a:t>2023-07-29</a:t>
+              <a:t>2023-07-31</a:t>
             </a:fld>
             <a:endParaRPr lang="ko-KR" altLang="en-US"/>
           </a:p>
@@ -2564,7 +2564,7 @@
           <a:p>
             <a:fld id="{1AB4BE4E-0DCC-436C-879B-4F0D6DF2E104}" type="datetimeFigureOut">
               <a:rPr lang="ko-KR" altLang="en-US" smtClean="0"/>
-              <a:t>2023-07-29</a:t>
+              <a:t>2023-07-31</a:t>
             </a:fld>
             <a:endParaRPr lang="ko-KR" altLang="en-US"/>
           </a:p>
@@ -3488,11 +3488,7 @@
           <a:p>
             <a:r>
               <a:rPr lang="ko-KR" altLang="en-US" sz="1000" dirty="0" smtClean="0"/>
-              <a:t>모집요강 </a:t>
-            </a:r>
-            <a:r>
-              <a:rPr lang="ko-KR" altLang="en-US" sz="1000" dirty="0" smtClean="0"/>
-              <a:t>확인버튼</a:t>
+              <a:t>모집요강 확인버튼</a:t>
             </a:r>
             <a:endParaRPr lang="ko-KR" altLang="en-US" sz="1000" dirty="0"/>
           </a:p>
@@ -3537,7 +3533,7 @@
         </p:nvSpPr>
         <p:spPr>
           <a:xfrm>
-            <a:off x="3208863" y="3736103"/>
+            <a:off x="6952713" y="3736103"/>
             <a:ext cx="1718735" cy="276999"/>
           </a:xfrm>
           <a:prstGeom prst="rect">
@@ -3567,7 +3563,7 @@
         </p:nvSpPr>
         <p:spPr>
           <a:xfrm>
-            <a:off x="5757334" y="3702554"/>
+            <a:off x="3435050" y="3744930"/>
             <a:ext cx="2912551" cy="276999"/>
           </a:xfrm>
           <a:prstGeom prst="rect">
@@ -3591,37 +3587,6 @@
               <a:t>채용하고 있는 직업에 대한 설명</a:t>
             </a:r>
             <a:endParaRPr lang="ko-KR" altLang="en-US" sz="1200" dirty="0"/>
-          </a:p>
-        </p:txBody>
-      </p:sp>
-      <p:sp>
-        <p:nvSpPr>
-          <p:cNvPr id="44" name="TextBox 43"/>
-          <p:cNvSpPr txBox="1"/>
-          <p:nvPr/>
-        </p:nvSpPr>
-        <p:spPr>
-          <a:xfrm>
-            <a:off x="5452533" y="3285067"/>
-            <a:ext cx="3564467" cy="1083731"/>
-          </a:xfrm>
-          <a:prstGeom prst="rect">
-            <a:avLst/>
-          </a:prstGeom>
-          <a:noFill/>
-          <a:ln>
-            <a:solidFill>
-              <a:schemeClr val="tx1"/>
-            </a:solidFill>
-          </a:ln>
-        </p:spPr>
-        <p:txBody>
-          <a:bodyPr wrap="square" rtlCol="0">
-            <a:spAutoFit/>
-          </a:bodyPr>
-          <a:lstStyle/>
-          <a:p>
-            <a:endParaRPr lang="ko-KR" altLang="en-US" dirty="0"/>
           </a:p>
         </p:txBody>
       </p:sp>
@@ -3997,6 +3962,37 @@
               <a:rPr lang="en-US" altLang="ko-KR" dirty="0" smtClean="0"/>
               <a:t>&lt;section&gt;</a:t>
             </a:r>
+            <a:endParaRPr lang="ko-KR" altLang="en-US" dirty="0"/>
+          </a:p>
+        </p:txBody>
+      </p:sp>
+      <p:sp>
+        <p:nvSpPr>
+          <p:cNvPr id="35" name="TextBox 34"/>
+          <p:cNvSpPr txBox="1"/>
+          <p:nvPr/>
+        </p:nvSpPr>
+        <p:spPr>
+          <a:xfrm>
+            <a:off x="3281647" y="3422848"/>
+            <a:ext cx="3048002" cy="966524"/>
+          </a:xfrm>
+          <a:prstGeom prst="rect">
+            <a:avLst/>
+          </a:prstGeom>
+          <a:noFill/>
+          <a:ln>
+            <a:solidFill>
+              <a:schemeClr val="tx1"/>
+            </a:solidFill>
+          </a:ln>
+        </p:spPr>
+        <p:txBody>
+          <a:bodyPr wrap="square" rtlCol="0">
+            <a:spAutoFit/>
+          </a:bodyPr>
+          <a:lstStyle/>
+          <a:p>
             <a:endParaRPr lang="ko-KR" altLang="en-US" dirty="0"/>
           </a:p>
         </p:txBody>

--- a/myweb/myweb_layout.pptx
+++ b/myweb/myweb_layout.pptx
@@ -243,7 +243,7 @@
           <a:p>
             <a:fld id="{1AB4BE4E-0DCC-436C-879B-4F0D6DF2E104}" type="datetimeFigureOut">
               <a:rPr lang="ko-KR" altLang="en-US" smtClean="0"/>
-              <a:t>2023-07-31</a:t>
+              <a:t>2023-08-05</a:t>
             </a:fld>
             <a:endParaRPr lang="ko-KR" altLang="en-US"/>
           </a:p>
@@ -413,7 +413,7 @@
           <a:p>
             <a:fld id="{1AB4BE4E-0DCC-436C-879B-4F0D6DF2E104}" type="datetimeFigureOut">
               <a:rPr lang="ko-KR" altLang="en-US" smtClean="0"/>
-              <a:t>2023-07-31</a:t>
+              <a:t>2023-08-05</a:t>
             </a:fld>
             <a:endParaRPr lang="ko-KR" altLang="en-US"/>
           </a:p>
@@ -593,7 +593,7 @@
           <a:p>
             <a:fld id="{1AB4BE4E-0DCC-436C-879B-4F0D6DF2E104}" type="datetimeFigureOut">
               <a:rPr lang="ko-KR" altLang="en-US" smtClean="0"/>
-              <a:t>2023-07-31</a:t>
+              <a:t>2023-08-05</a:t>
             </a:fld>
             <a:endParaRPr lang="ko-KR" altLang="en-US"/>
           </a:p>
@@ -763,7 +763,7 @@
           <a:p>
             <a:fld id="{1AB4BE4E-0DCC-436C-879B-4F0D6DF2E104}" type="datetimeFigureOut">
               <a:rPr lang="ko-KR" altLang="en-US" smtClean="0"/>
-              <a:t>2023-07-31</a:t>
+              <a:t>2023-08-05</a:t>
             </a:fld>
             <a:endParaRPr lang="ko-KR" altLang="en-US"/>
           </a:p>
@@ -1009,7 +1009,7 @@
           <a:p>
             <a:fld id="{1AB4BE4E-0DCC-436C-879B-4F0D6DF2E104}" type="datetimeFigureOut">
               <a:rPr lang="ko-KR" altLang="en-US" smtClean="0"/>
-              <a:t>2023-07-31</a:t>
+              <a:t>2023-08-05</a:t>
             </a:fld>
             <a:endParaRPr lang="ko-KR" altLang="en-US"/>
           </a:p>
@@ -1241,7 +1241,7 @@
           <a:p>
             <a:fld id="{1AB4BE4E-0DCC-436C-879B-4F0D6DF2E104}" type="datetimeFigureOut">
               <a:rPr lang="ko-KR" altLang="en-US" smtClean="0"/>
-              <a:t>2023-07-31</a:t>
+              <a:t>2023-08-05</a:t>
             </a:fld>
             <a:endParaRPr lang="ko-KR" altLang="en-US"/>
           </a:p>
@@ -1608,7 +1608,7 @@
           <a:p>
             <a:fld id="{1AB4BE4E-0DCC-436C-879B-4F0D6DF2E104}" type="datetimeFigureOut">
               <a:rPr lang="ko-KR" altLang="en-US" smtClean="0"/>
-              <a:t>2023-07-31</a:t>
+              <a:t>2023-08-05</a:t>
             </a:fld>
             <a:endParaRPr lang="ko-KR" altLang="en-US"/>
           </a:p>
@@ -1726,7 +1726,7 @@
           <a:p>
             <a:fld id="{1AB4BE4E-0DCC-436C-879B-4F0D6DF2E104}" type="datetimeFigureOut">
               <a:rPr lang="ko-KR" altLang="en-US" smtClean="0"/>
-              <a:t>2023-07-31</a:t>
+              <a:t>2023-08-05</a:t>
             </a:fld>
             <a:endParaRPr lang="ko-KR" altLang="en-US"/>
           </a:p>
@@ -1821,7 +1821,7 @@
           <a:p>
             <a:fld id="{1AB4BE4E-0DCC-436C-879B-4F0D6DF2E104}" type="datetimeFigureOut">
               <a:rPr lang="ko-KR" altLang="en-US" smtClean="0"/>
-              <a:t>2023-07-31</a:t>
+              <a:t>2023-08-05</a:t>
             </a:fld>
             <a:endParaRPr lang="ko-KR" altLang="en-US"/>
           </a:p>
@@ -2098,7 +2098,7 @@
           <a:p>
             <a:fld id="{1AB4BE4E-0DCC-436C-879B-4F0D6DF2E104}" type="datetimeFigureOut">
               <a:rPr lang="ko-KR" altLang="en-US" smtClean="0"/>
-              <a:t>2023-07-31</a:t>
+              <a:t>2023-08-05</a:t>
             </a:fld>
             <a:endParaRPr lang="ko-KR" altLang="en-US"/>
           </a:p>
@@ -2351,7 +2351,7 @@
           <a:p>
             <a:fld id="{1AB4BE4E-0DCC-436C-879B-4F0D6DF2E104}" type="datetimeFigureOut">
               <a:rPr lang="ko-KR" altLang="en-US" smtClean="0"/>
-              <a:t>2023-07-31</a:t>
+              <a:t>2023-08-05</a:t>
             </a:fld>
             <a:endParaRPr lang="ko-KR" altLang="en-US"/>
           </a:p>
@@ -2564,7 +2564,7 @@
           <a:p>
             <a:fld id="{1AB4BE4E-0DCC-436C-879B-4F0D6DF2E104}" type="datetimeFigureOut">
               <a:rPr lang="ko-KR" altLang="en-US" smtClean="0"/>
-              <a:t>2023-07-31</a:t>
+              <a:t>2023-08-05</a:t>
             </a:fld>
             <a:endParaRPr lang="ko-KR" altLang="en-US"/>
           </a:p>
@@ -3398,7 +3398,7 @@
           <a:p>
             <a:r>
               <a:rPr lang="ko-KR" altLang="en-US" dirty="0" smtClean="0"/>
-              <a:t>모집요강</a:t>
+              <a:t>채용공고</a:t>
             </a:r>
             <a:endParaRPr lang="ko-KR" altLang="en-US" dirty="0"/>
           </a:p>
@@ -3488,7 +3488,15 @@
           <a:p>
             <a:r>
               <a:rPr lang="ko-KR" altLang="en-US" sz="1000" dirty="0" smtClean="0"/>
-              <a:t>모집요강 확인버튼</a:t>
+              <a:t>채용공고</a:t>
+            </a:r>
+            <a:r>
+              <a:rPr lang="ko-KR" altLang="en-US" sz="1000" dirty="0" smtClean="0"/>
+              <a:t> </a:t>
+            </a:r>
+            <a:r>
+              <a:rPr lang="ko-KR" altLang="en-US" sz="1000" dirty="0" smtClean="0"/>
+              <a:t>확인버튼</a:t>
             </a:r>
             <a:endParaRPr lang="ko-KR" altLang="en-US" sz="1000" dirty="0"/>
           </a:p>
@@ -3502,7 +3510,7 @@
         </p:nvSpPr>
         <p:spPr>
           <a:xfrm>
-            <a:off x="5283474" y="1800768"/>
+            <a:off x="5254408" y="1793582"/>
             <a:ext cx="1174753" cy="369332"/>
           </a:xfrm>
           <a:prstGeom prst="rect">
@@ -3793,7 +3801,7 @@
         </p:nvSpPr>
         <p:spPr>
           <a:xfrm>
-            <a:off x="5249337" y="6425607"/>
+            <a:off x="5335597" y="6425607"/>
             <a:ext cx="916516" cy="261610"/>
           </a:xfrm>
           <a:prstGeom prst="rect">
@@ -3809,7 +3817,7 @@
           <a:p>
             <a:r>
               <a:rPr lang="ko-KR" altLang="en-US" sz="1100" dirty="0" smtClean="0"/>
-              <a:t>서비스내용</a:t>
+              <a:t>서비스</a:t>
             </a:r>
             <a:endParaRPr lang="ko-KR" altLang="en-US" sz="1100" dirty="0"/>
           </a:p>
